--- a/Presentacion.pptx
+++ b/Presentacion.pptx
@@ -109,6 +109,11 @@
       </a:defRPr>
     </a:lvl9pPr>
   </p:defaultTextStyle>
+  <p:extLst>
+    <p:ext uri="{EFAFB233-063F-42B5-8137-9DF3F51BA10A}">
+      <p15:sldGuideLst xmlns:p15="http://schemas.microsoft.com/office/powerpoint/2012/main"/>
+    </p:ext>
+  </p:extLst>
 </p:presentation>
 </file>
 
@@ -259,7 +264,7 @@
           <a:p>
             <a:fld id="{9C4F7D1C-BB11-423F-AE29-4DECCE524830}" type="datetimeFigureOut">
               <a:rPr lang="es-ES" smtClean="0"/>
-              <a:t>02/07/2021</a:t>
+              <a:t>03/07/2021</a:t>
             </a:fld>
             <a:endParaRPr lang="es-ES"/>
           </a:p>
@@ -457,7 +462,7 @@
           <a:p>
             <a:fld id="{9C4F7D1C-BB11-423F-AE29-4DECCE524830}" type="datetimeFigureOut">
               <a:rPr lang="es-ES" smtClean="0"/>
-              <a:t>02/07/2021</a:t>
+              <a:t>03/07/2021</a:t>
             </a:fld>
             <a:endParaRPr lang="es-ES"/>
           </a:p>
@@ -665,7 +670,7 @@
           <a:p>
             <a:fld id="{9C4F7D1C-BB11-423F-AE29-4DECCE524830}" type="datetimeFigureOut">
               <a:rPr lang="es-ES" smtClean="0"/>
-              <a:t>02/07/2021</a:t>
+              <a:t>03/07/2021</a:t>
             </a:fld>
             <a:endParaRPr lang="es-ES"/>
           </a:p>
@@ -863,7 +868,7 @@
           <a:p>
             <a:fld id="{9C4F7D1C-BB11-423F-AE29-4DECCE524830}" type="datetimeFigureOut">
               <a:rPr lang="es-ES" smtClean="0"/>
-              <a:t>02/07/2021</a:t>
+              <a:t>03/07/2021</a:t>
             </a:fld>
             <a:endParaRPr lang="es-ES"/>
           </a:p>
@@ -1138,7 +1143,7 @@
           <a:p>
             <a:fld id="{9C4F7D1C-BB11-423F-AE29-4DECCE524830}" type="datetimeFigureOut">
               <a:rPr lang="es-ES" smtClean="0"/>
-              <a:t>02/07/2021</a:t>
+              <a:t>03/07/2021</a:t>
             </a:fld>
             <a:endParaRPr lang="es-ES"/>
           </a:p>
@@ -1403,7 +1408,7 @@
           <a:p>
             <a:fld id="{9C4F7D1C-BB11-423F-AE29-4DECCE524830}" type="datetimeFigureOut">
               <a:rPr lang="es-ES" smtClean="0"/>
-              <a:t>02/07/2021</a:t>
+              <a:t>03/07/2021</a:t>
             </a:fld>
             <a:endParaRPr lang="es-ES"/>
           </a:p>
@@ -1815,7 +1820,7 @@
           <a:p>
             <a:fld id="{9C4F7D1C-BB11-423F-AE29-4DECCE524830}" type="datetimeFigureOut">
               <a:rPr lang="es-ES" smtClean="0"/>
-              <a:t>02/07/2021</a:t>
+              <a:t>03/07/2021</a:t>
             </a:fld>
             <a:endParaRPr lang="es-ES"/>
           </a:p>
@@ -1956,7 +1961,7 @@
           <a:p>
             <a:fld id="{9C4F7D1C-BB11-423F-AE29-4DECCE524830}" type="datetimeFigureOut">
               <a:rPr lang="es-ES" smtClean="0"/>
-              <a:t>02/07/2021</a:t>
+              <a:t>03/07/2021</a:t>
             </a:fld>
             <a:endParaRPr lang="es-ES"/>
           </a:p>
@@ -2069,7 +2074,7 @@
           <a:p>
             <a:fld id="{9C4F7D1C-BB11-423F-AE29-4DECCE524830}" type="datetimeFigureOut">
               <a:rPr lang="es-ES" smtClean="0"/>
-              <a:t>02/07/2021</a:t>
+              <a:t>03/07/2021</a:t>
             </a:fld>
             <a:endParaRPr lang="es-ES"/>
           </a:p>
@@ -2380,7 +2385,7 @@
           <a:p>
             <a:fld id="{9C4F7D1C-BB11-423F-AE29-4DECCE524830}" type="datetimeFigureOut">
               <a:rPr lang="es-ES" smtClean="0"/>
-              <a:t>02/07/2021</a:t>
+              <a:t>03/07/2021</a:t>
             </a:fld>
             <a:endParaRPr lang="es-ES"/>
           </a:p>
@@ -2668,7 +2673,7 @@
           <a:p>
             <a:fld id="{9C4F7D1C-BB11-423F-AE29-4DECCE524830}" type="datetimeFigureOut">
               <a:rPr lang="es-ES" smtClean="0"/>
-              <a:t>02/07/2021</a:t>
+              <a:t>03/07/2021</a:t>
             </a:fld>
             <a:endParaRPr lang="es-ES"/>
           </a:p>
@@ -2909,7 +2914,7 @@
           <a:p>
             <a:fld id="{9C4F7D1C-BB11-423F-AE29-4DECCE524830}" type="datetimeFigureOut">
               <a:rPr lang="es-ES" smtClean="0"/>
-              <a:t>02/07/2021</a:t>
+              <a:t>03/07/2021</a:t>
             </a:fld>
             <a:endParaRPr lang="es-ES"/>
           </a:p>
@@ -3342,12 +3347,30 @@
             <p:ph type="ctrTitle"/>
           </p:nvPr>
         </p:nvSpPr>
-        <p:spPr/>
-        <p:txBody>
-          <a:bodyPr/>
-          <a:lstStyle/>
-          <a:p>
-            <a:endParaRPr lang="es-ES"/>
+        <p:spPr>
+          <a:xfrm>
+            <a:off x="1154097" y="721310"/>
+            <a:ext cx="10049522" cy="3215936"/>
+          </a:xfrm>
+        </p:spPr>
+        <p:txBody>
+          <a:bodyPr>
+            <a:normAutofit/>
+          </a:bodyPr>
+          <a:lstStyle/>
+          <a:p>
+            <a:r>
+              <a:rPr lang="es-ES_tradnl" sz="4000" dirty="0"/>
+              <a:t>Desarrollo e implementación de una herramienta para gestionar los </a:t>
+            </a:r>
+            <a:br>
+              <a:rPr lang="es-ES" sz="4000" dirty="0"/>
+            </a:br>
+            <a:r>
+              <a:rPr lang="es-ES_tradnl" sz="4000" dirty="0"/>
+              <a:t>acuerdos de estudios de los estudiantes Erasmus</a:t>
+            </a:r>
+            <a:endParaRPr lang="es-ES" sz="4000" dirty="0"/>
           </a:p>
         </p:txBody>
       </p:sp>
@@ -3367,12 +3390,31 @@
             <p:ph type="subTitle" idx="1"/>
           </p:nvPr>
         </p:nvSpPr>
-        <p:spPr/>
-        <p:txBody>
-          <a:bodyPr/>
-          <a:lstStyle/>
-          <a:p>
-            <a:endParaRPr lang="es-ES"/>
+        <p:spPr>
+          <a:xfrm>
+            <a:off x="1524000" y="4480928"/>
+            <a:ext cx="9144000" cy="1655762"/>
+          </a:xfrm>
+        </p:spPr>
+        <p:txBody>
+          <a:bodyPr/>
+          <a:lstStyle/>
+          <a:p>
+            <a:r>
+              <a:rPr lang="es-ES_tradnl" dirty="0"/>
+              <a:t>Trabajo Fin de Grado</a:t>
+            </a:r>
+            <a:endParaRPr lang="es-ES" dirty="0"/>
+          </a:p>
+          <a:p>
+            <a:r>
+              <a:rPr lang="es-ES_tradnl" sz="1600" dirty="0"/>
+              <a:t>Javier Martín Gómez</a:t>
+            </a:r>
+            <a:endParaRPr lang="es-ES" sz="1600" dirty="0"/>
+          </a:p>
+          <a:p>
+            <a:endParaRPr lang="es-ES" dirty="0"/>
           </a:p>
         </p:txBody>
       </p:sp>
@@ -3427,7 +3469,10 @@
           <a:bodyPr/>
           <a:lstStyle/>
           <a:p>
-            <a:endParaRPr lang="es-ES"/>
+            <a:r>
+              <a:rPr lang="es-ES" dirty="0"/>
+              <a:t>Índice</a:t>
+            </a:r>
           </a:p>
         </p:txBody>
       </p:sp>
@@ -3452,7 +3497,28 @@
           <a:bodyPr/>
           <a:lstStyle/>
           <a:p>
-            <a:endParaRPr lang="es-ES"/>
+            <a:r>
+              <a:rPr lang="es-ES" dirty="0"/>
+              <a:t>Objetivos</a:t>
+            </a:r>
+          </a:p>
+          <a:p>
+            <a:r>
+              <a:rPr lang="es-ES" dirty="0"/>
+              <a:t>Descripción del sistema</a:t>
+            </a:r>
+          </a:p>
+          <a:p>
+            <a:r>
+              <a:rPr lang="es-ES" dirty="0"/>
+              <a:t>Implementación</a:t>
+            </a:r>
+          </a:p>
+          <a:p>
+            <a:r>
+              <a:rPr lang="es-ES" dirty="0"/>
+              <a:t>Conclusiones</a:t>
+            </a:r>
           </a:p>
         </p:txBody>
       </p:sp>
@@ -3507,7 +3573,10 @@
           <a:bodyPr/>
           <a:lstStyle/>
           <a:p>
-            <a:endParaRPr lang="es-ES"/>
+            <a:r>
+              <a:rPr lang="es-ES" dirty="0"/>
+              <a:t>Objetivos</a:t>
+            </a:r>
           </a:p>
         </p:txBody>
       </p:sp>
@@ -3532,7 +3601,19 @@
           <a:bodyPr/>
           <a:lstStyle/>
           <a:p>
-            <a:endParaRPr lang="es-ES"/>
+            <a:r>
+              <a:rPr lang="es-ES" dirty="0"/>
+              <a:t>Implementación de una herramienta para que los alumnos Erasmus y sus tutores tengan más facilidades a la hora de decidir las convalidaciones entre universidades.</a:t>
+            </a:r>
+          </a:p>
+          <a:p>
+            <a:endParaRPr lang="es-ES" dirty="0"/>
+          </a:p>
+          <a:p>
+            <a:r>
+              <a:rPr lang="es-ES" dirty="0"/>
+              <a:t>Desarrollar una aplicación web a la que se pueda acceder desde cualquier ordenador. </a:t>
+            </a:r>
           </a:p>
         </p:txBody>
       </p:sp>
@@ -3587,7 +3668,10 @@
           <a:bodyPr/>
           <a:lstStyle/>
           <a:p>
-            <a:endParaRPr lang="es-ES"/>
+            <a:r>
+              <a:rPr lang="es-ES" dirty="0"/>
+              <a:t>Descripción del sistema</a:t>
+            </a:r>
           </a:p>
         </p:txBody>
       </p:sp>
@@ -3612,7 +3696,54 @@
           <a:bodyPr/>
           <a:lstStyle/>
           <a:p>
-            <a:endParaRPr lang="es-ES"/>
+            <a:pPr marL="514350" indent="-514350">
+              <a:buFont typeface="+mj-lt"/>
+              <a:buAutoNum type="arabicPeriod"/>
+            </a:pPr>
+            <a:r>
+              <a:rPr lang="es-ES" dirty="0"/>
+              <a:t>Inicio de sesión </a:t>
+            </a:r>
+          </a:p>
+          <a:p>
+            <a:pPr marL="514350" indent="-514350">
+              <a:buFont typeface="+mj-lt"/>
+              <a:buAutoNum type="arabicPeriod"/>
+            </a:pPr>
+            <a:endParaRPr lang="es-ES" dirty="0"/>
+          </a:p>
+          <a:p>
+            <a:pPr marL="514350" indent="-514350">
+              <a:buFont typeface="+mj-lt"/>
+              <a:buAutoNum type="arabicPeriod"/>
+            </a:pPr>
+            <a:r>
+              <a:rPr lang="es-ES" dirty="0"/>
+              <a:t>Distinción de usuario</a:t>
+            </a:r>
+          </a:p>
+          <a:p>
+            <a:pPr marL="514350" indent="-514350">
+              <a:buFont typeface="+mj-lt"/>
+              <a:buAutoNum type="arabicPeriod"/>
+            </a:pPr>
+            <a:endParaRPr lang="es-ES" dirty="0"/>
+          </a:p>
+          <a:p>
+            <a:pPr marL="514350" indent="-514350">
+              <a:buFont typeface="+mj-lt"/>
+              <a:buAutoNum type="arabicPeriod"/>
+            </a:pPr>
+            <a:r>
+              <a:rPr lang="es-ES" dirty="0"/>
+              <a:t>Funcionalidades de cada usuario</a:t>
+            </a:r>
+          </a:p>
+          <a:p>
+            <a:endParaRPr lang="es-ES" dirty="0"/>
+          </a:p>
+          <a:p>
+            <a:endParaRPr lang="es-ES" dirty="0"/>
           </a:p>
         </p:txBody>
       </p:sp>
@@ -3667,7 +3798,10 @@
           <a:bodyPr/>
           <a:lstStyle/>
           <a:p>
-            <a:endParaRPr lang="es-ES"/>
+            <a:r>
+              <a:rPr lang="es-ES" dirty="0"/>
+              <a:t>Implementación</a:t>
+            </a:r>
           </a:p>
         </p:txBody>
       </p:sp>
@@ -3692,7 +3826,45 @@
           <a:bodyPr/>
           <a:lstStyle/>
           <a:p>
-            <a:endParaRPr lang="es-ES"/>
+            <a:r>
+              <a:rPr lang="es-ES" dirty="0"/>
+              <a:t>NetBeans (sin </a:t>
+            </a:r>
+            <a:r>
+              <a:rPr lang="es-ES" dirty="0" err="1"/>
+              <a:t>framework</a:t>
+            </a:r>
+            <a:r>
+              <a:rPr lang="es-ES" dirty="0"/>
+              <a:t>) utilizando Java, JSP, Bootstrap y CSS.</a:t>
+            </a:r>
+          </a:p>
+          <a:p>
+            <a:endParaRPr lang="es-ES" dirty="0"/>
+          </a:p>
+          <a:p>
+            <a:r>
+              <a:rPr lang="es-ES" dirty="0"/>
+              <a:t>Base de datos PostgreSQL. Se conecta a través de JDBC.</a:t>
+            </a:r>
+          </a:p>
+          <a:p>
+            <a:endParaRPr lang="es-ES" dirty="0"/>
+          </a:p>
+          <a:p>
+            <a:r>
+              <a:rPr lang="es-ES" dirty="0"/>
+              <a:t>Servidor Apache Tomcat.</a:t>
+            </a:r>
+          </a:p>
+          <a:p>
+            <a:endParaRPr lang="es-ES" dirty="0"/>
+          </a:p>
+          <a:p>
+            <a:r>
+              <a:rPr lang="es-ES" dirty="0"/>
+              <a:t>Patrón MVC y DAO.</a:t>
+            </a:r>
           </a:p>
         </p:txBody>
       </p:sp>
@@ -3747,7 +3919,10 @@
           <a:bodyPr/>
           <a:lstStyle/>
           <a:p>
-            <a:endParaRPr lang="es-ES"/>
+            <a:r>
+              <a:rPr lang="es-ES" dirty="0"/>
+              <a:t>Conclusiones</a:t>
+            </a:r>
           </a:p>
         </p:txBody>
       </p:sp>
@@ -3772,7 +3947,28 @@
           <a:bodyPr/>
           <a:lstStyle/>
           <a:p>
-            <a:endParaRPr lang="es-ES"/>
+            <a:r>
+              <a:rPr lang="es-ES" dirty="0"/>
+              <a:t>Facilitar a las personas involucradas la elección de los acuerdos que se van a realizar.</a:t>
+            </a:r>
+          </a:p>
+          <a:p>
+            <a:endParaRPr lang="es-ES" dirty="0"/>
+          </a:p>
+          <a:p>
+            <a:r>
+              <a:rPr lang="es-ES" dirty="0"/>
+              <a:t>Importancia de la tecnología e Internet.</a:t>
+            </a:r>
+          </a:p>
+          <a:p>
+            <a:endParaRPr lang="es-ES" dirty="0"/>
+          </a:p>
+          <a:p>
+            <a:r>
+              <a:rPr lang="es-ES" dirty="0"/>
+              <a:t>Trabajo futuro.</a:t>
+            </a:r>
           </a:p>
         </p:txBody>
       </p:sp>

--- a/Presentacion.pptx
+++ b/Presentacion.pptx
@@ -2924,52 +2924,7 @@
 <dgm:dataModel xmlns:dgm="http://schemas.openxmlformats.org/drawingml/2006/diagram" xmlns:a="http://schemas.openxmlformats.org/drawingml/2006/main">
   <dgm:ptLst>
     <dgm:pt modelId="{A72B9BCB-1ED9-4E32-8A7F-C8866EADB7B7}" type="doc">
-      <dgm:prSet loTypeId="urn:microsoft.com/office/officeart/2005/8/layout/vProcess5" loCatId="process" qsTypeId="urn:microsoft.com/office/officeart/2005/8/quickstyle/simple1" qsCatId="simple" csTypeId="urn:microsoft.com/office/officeart/2005/8/colors/colorful1" csCatId="colorful"/>
-      <dgm:spPr/>
-      <dgm:t>
-        <a:bodyPr/>
-        <a:lstStyle/>
-        <a:p>
-          <a:endParaRPr lang="en-US"/>
-        </a:p>
-      </dgm:t>
-    </dgm:pt>
-    <dgm:pt modelId="{CFE7BE7F-00E8-4A80-873F-F29F7F182A2C}">
-      <dgm:prSet/>
-      <dgm:spPr/>
-      <dgm:t>
-        <a:bodyPr/>
-        <a:lstStyle/>
-        <a:p>
-          <a:r>
-            <a:rPr lang="es-ES" dirty="0"/>
-            <a:t>NetBeans (sin </a:t>
-          </a:r>
-          <a:r>
-            <a:rPr lang="es-ES" dirty="0" err="1"/>
-            <a:t>framework</a:t>
-          </a:r>
-          <a:r>
-            <a:rPr lang="es-ES" dirty="0"/>
-            <a:t>) utilizando Java, JSP, Bootstrap y CSS.</a:t>
-          </a:r>
-          <a:endParaRPr lang="en-US" dirty="0"/>
-        </a:p>
-      </dgm:t>
-    </dgm:pt>
-    <dgm:pt modelId="{6CAB770A-3991-4253-B893-5ACFB5A3FD5B}" type="parTrans" cxnId="{AC7FAF50-0070-49A8-B3B4-E66EA4767555}">
-      <dgm:prSet/>
-      <dgm:spPr/>
-      <dgm:t>
-        <a:bodyPr/>
-        <a:lstStyle/>
-        <a:p>
-          <a:endParaRPr lang="en-US"/>
-        </a:p>
-      </dgm:t>
-    </dgm:pt>
-    <dgm:pt modelId="{F7491990-5E3F-4448-AA8C-50566E222832}" type="sibTrans" cxnId="{AC7FAF50-0070-49A8-B3B4-E66EA4767555}">
-      <dgm:prSet/>
+      <dgm:prSet loTypeId="urn:microsoft.com/office/officeart/2005/8/layout/vProcess5" loCatId="process" qsTypeId="urn:microsoft.com/office/officeart/2005/8/quickstyle/simple1" qsCatId="simple" csTypeId="urn:microsoft.com/office/officeart/2005/8/colors/colorful1" csCatId="colorful" phldr="1"/>
       <dgm:spPr/>
       <dgm:t>
         <a:bodyPr/>
@@ -2988,7 +2943,7 @@
         <a:p>
           <a:r>
             <a:rPr lang="es-ES" dirty="0"/>
-            <a:t>Base de datos PostgreSQL. Se conecta a través de JDBC.</a:t>
+            <a:t>NetBeans (sin framework) utilizando Java, JSP, Bootstrap y CSS.</a:t>
           </a:r>
           <a:endParaRPr lang="en-US" dirty="0"/>
         </a:p>
@@ -3090,6 +3045,42 @@
         </a:p>
       </dgm:t>
     </dgm:pt>
+    <dgm:pt modelId="{4B91974D-26C7-40EC-BFF3-6B9F1E7F731F}">
+      <dgm:prSet/>
+      <dgm:spPr/>
+      <dgm:t>
+        <a:bodyPr/>
+        <a:lstStyle/>
+        <a:p>
+          <a:r>
+            <a:rPr lang="es-ES"/>
+            <a:t>Base de datos PostgreSQL. Se conecta a través de JDBC. </a:t>
+          </a:r>
+        </a:p>
+      </dgm:t>
+    </dgm:pt>
+    <dgm:pt modelId="{F0ADF82C-7E97-4015-814A-95B9AF2CC44A}" type="parTrans" cxnId="{12192729-FB91-4324-A09A-42325333D524}">
+      <dgm:prSet/>
+      <dgm:spPr/>
+      <dgm:t>
+        <a:bodyPr/>
+        <a:lstStyle/>
+        <a:p>
+          <a:endParaRPr lang="es-ES"/>
+        </a:p>
+      </dgm:t>
+    </dgm:pt>
+    <dgm:pt modelId="{2C630D59-B572-417C-B948-735EA499250A}" type="sibTrans" cxnId="{12192729-FB91-4324-A09A-42325333D524}">
+      <dgm:prSet/>
+      <dgm:spPr/>
+      <dgm:t>
+        <a:bodyPr/>
+        <a:lstStyle/>
+        <a:p>
+          <a:endParaRPr lang="es-ES"/>
+        </a:p>
+      </dgm:t>
+    </dgm:pt>
     <dgm:pt modelId="{D6F7C2BB-46D8-4C31-9C0E-AC2246AFED37}" type="pres">
       <dgm:prSet presAssocID="{A72B9BCB-1ED9-4E32-8A7F-C8866EADB7B7}" presName="outerComposite" presStyleCnt="0">
         <dgm:presLayoutVars>
@@ -3106,7 +3097,7 @@
       </dgm:prSet>
       <dgm:spPr/>
     </dgm:pt>
-    <dgm:pt modelId="{0A4F31FA-7999-41E2-9CC8-1FED74620F96}" type="pres">
+    <dgm:pt modelId="{3C7A9473-4B75-4CCF-847A-54B4491FC243}" type="pres">
       <dgm:prSet presAssocID="{A72B9BCB-1ED9-4E32-8A7F-C8866EADB7B7}" presName="FourNodes_1" presStyleLbl="node1" presStyleIdx="0" presStyleCnt="4">
         <dgm:presLayoutVars>
           <dgm:bulletEnabled val="1"/>
@@ -3114,7 +3105,7 @@
       </dgm:prSet>
       <dgm:spPr/>
     </dgm:pt>
-    <dgm:pt modelId="{E57268AA-0F18-4AB7-8D95-BE579C020FB3}" type="pres">
+    <dgm:pt modelId="{6DCBDF5B-866F-4F1A-959E-3DD41E77ABDA}" type="pres">
       <dgm:prSet presAssocID="{A72B9BCB-1ED9-4E32-8A7F-C8866EADB7B7}" presName="FourNodes_2" presStyleLbl="node1" presStyleIdx="1" presStyleCnt="4">
         <dgm:presLayoutVars>
           <dgm:bulletEnabled val="1"/>
@@ -3122,7 +3113,7 @@
       </dgm:prSet>
       <dgm:spPr/>
     </dgm:pt>
-    <dgm:pt modelId="{3830C628-68D4-4D4A-B0D6-D6A9251061A8}" type="pres">
+    <dgm:pt modelId="{CFB81A17-E658-4226-BE15-A2F4E6326185}" type="pres">
       <dgm:prSet presAssocID="{A72B9BCB-1ED9-4E32-8A7F-C8866EADB7B7}" presName="FourNodes_3" presStyleLbl="node1" presStyleIdx="2" presStyleCnt="4">
         <dgm:presLayoutVars>
           <dgm:bulletEnabled val="1"/>
@@ -3130,7 +3121,7 @@
       </dgm:prSet>
       <dgm:spPr/>
     </dgm:pt>
-    <dgm:pt modelId="{1662BE9B-D16C-4899-B6B7-1D5089487AF1}" type="pres">
+    <dgm:pt modelId="{E5C824FB-C61C-4C5B-9B07-30456B051073}" type="pres">
       <dgm:prSet presAssocID="{A72B9BCB-1ED9-4E32-8A7F-C8866EADB7B7}" presName="FourNodes_4" presStyleLbl="node1" presStyleIdx="3" presStyleCnt="4">
         <dgm:presLayoutVars>
           <dgm:bulletEnabled val="1"/>
@@ -3138,7 +3129,7 @@
       </dgm:prSet>
       <dgm:spPr/>
     </dgm:pt>
-    <dgm:pt modelId="{247168C3-3A6B-44FE-80A7-EF07CE63292D}" type="pres">
+    <dgm:pt modelId="{5B4427EE-FA1F-43B6-AF3A-1E45EC1E9DF0}" type="pres">
       <dgm:prSet presAssocID="{A72B9BCB-1ED9-4E32-8A7F-C8866EADB7B7}" presName="FourConn_1-2" presStyleLbl="fgAccFollowNode1" presStyleIdx="0" presStyleCnt="3">
         <dgm:presLayoutVars>
           <dgm:bulletEnabled val="1"/>
@@ -3146,7 +3137,7 @@
       </dgm:prSet>
       <dgm:spPr/>
     </dgm:pt>
-    <dgm:pt modelId="{9D82CD9E-B78F-4EC4-B8DC-2AD65970DD6D}" type="pres">
+    <dgm:pt modelId="{770BBD16-F9CF-408F-ADF0-FD5AFE91B3B4}" type="pres">
       <dgm:prSet presAssocID="{A72B9BCB-1ED9-4E32-8A7F-C8866EADB7B7}" presName="FourConn_2-3" presStyleLbl="fgAccFollowNode1" presStyleIdx="1" presStyleCnt="3">
         <dgm:presLayoutVars>
           <dgm:bulletEnabled val="1"/>
@@ -3154,7 +3145,7 @@
       </dgm:prSet>
       <dgm:spPr/>
     </dgm:pt>
-    <dgm:pt modelId="{BA32D2A3-9D5D-40FF-9444-C13C1BD91DE8}" type="pres">
+    <dgm:pt modelId="{E39E13F5-8859-4409-91C2-C785163AFF12}" type="pres">
       <dgm:prSet presAssocID="{A72B9BCB-1ED9-4E32-8A7F-C8866EADB7B7}" presName="FourConn_3-4" presStyleLbl="fgAccFollowNode1" presStyleIdx="2" presStyleCnt="3">
         <dgm:presLayoutVars>
           <dgm:bulletEnabled val="1"/>
@@ -3162,7 +3153,7 @@
       </dgm:prSet>
       <dgm:spPr/>
     </dgm:pt>
-    <dgm:pt modelId="{E9C918E9-3B1F-4457-A8BD-77922245B9B1}" type="pres">
+    <dgm:pt modelId="{5F3059C0-8E52-40A5-85A7-38D5E7D5D4E6}" type="pres">
       <dgm:prSet presAssocID="{A72B9BCB-1ED9-4E32-8A7F-C8866EADB7B7}" presName="FourNodes_1_text" presStyleLbl="node1" presStyleIdx="3" presStyleCnt="4">
         <dgm:presLayoutVars>
           <dgm:bulletEnabled val="1"/>
@@ -3170,7 +3161,7 @@
       </dgm:prSet>
       <dgm:spPr/>
     </dgm:pt>
-    <dgm:pt modelId="{182DA44E-83C4-4A68-8630-415FF4D3021F}" type="pres">
+    <dgm:pt modelId="{C67B81D9-7201-4EB9-A8DC-7FC0444D6D10}" type="pres">
       <dgm:prSet presAssocID="{A72B9BCB-1ED9-4E32-8A7F-C8866EADB7B7}" presName="FourNodes_2_text" presStyleLbl="node1" presStyleIdx="3" presStyleCnt="4">
         <dgm:presLayoutVars>
           <dgm:bulletEnabled val="1"/>
@@ -3178,7 +3169,7 @@
       </dgm:prSet>
       <dgm:spPr/>
     </dgm:pt>
-    <dgm:pt modelId="{A60F64A1-7005-449F-A585-C8AC7F2CE2FD}" type="pres">
+    <dgm:pt modelId="{C70BA25A-C8B3-4B13-9EA6-1C6D980146C2}" type="pres">
       <dgm:prSet presAssocID="{A72B9BCB-1ED9-4E32-8A7F-C8866EADB7B7}" presName="FourNodes_3_text" presStyleLbl="node1" presStyleIdx="3" presStyleCnt="4">
         <dgm:presLayoutVars>
           <dgm:bulletEnabled val="1"/>
@@ -3186,7 +3177,7 @@
       </dgm:prSet>
       <dgm:spPr/>
     </dgm:pt>
-    <dgm:pt modelId="{B51624C1-8CDD-4D7A-A419-4E901107DC24}" type="pres">
+    <dgm:pt modelId="{2C46BFB0-A6A1-4A13-A41E-E1F52876463E}" type="pres">
       <dgm:prSet presAssocID="{A72B9BCB-1ED9-4E32-8A7F-C8866EADB7B7}" presName="FourNodes_4_text" presStyleLbl="node1" presStyleIdx="3" presStyleCnt="4">
         <dgm:presLayoutVars>
           <dgm:bulletEnabled val="1"/>
@@ -3196,34 +3187,34 @@
     </dgm:pt>
   </dgm:ptLst>
   <dgm:cxnLst>
-    <dgm:cxn modelId="{D86DFA19-F4A6-4B8D-8A41-D8F759E47993}" type="presOf" srcId="{CFE7BE7F-00E8-4A80-873F-F29F7F182A2C}" destId="{E9C918E9-3B1F-4457-A8BD-77922245B9B1}" srcOrd="1" destOrd="0" presId="urn:microsoft.com/office/officeart/2005/8/layout/vProcess5"/>
-    <dgm:cxn modelId="{B28AC43E-92BB-4928-B82E-AFA585E5505C}" type="presOf" srcId="{CFE7BE7F-00E8-4A80-873F-F29F7F182A2C}" destId="{0A4F31FA-7999-41E2-9CC8-1FED74620F96}" srcOrd="0" destOrd="0" presId="urn:microsoft.com/office/officeart/2005/8/layout/vProcess5"/>
-    <dgm:cxn modelId="{0D83C95F-E580-4C0F-A35B-752E0EE88A19}" type="presOf" srcId="{B28AB807-298B-46EC-A85B-6FD708F01B12}" destId="{B51624C1-8CDD-4D7A-A419-4E901107DC24}" srcOrd="1" destOrd="0" presId="urn:microsoft.com/office/officeart/2005/8/layout/vProcess5"/>
-    <dgm:cxn modelId="{6BFD2766-5E02-4A5C-A133-48E1BE591942}" type="presOf" srcId="{B28AB807-298B-46EC-A85B-6FD708F01B12}" destId="{1662BE9B-D16C-4899-B6B7-1D5089487AF1}" srcOrd="0" destOrd="0" presId="urn:microsoft.com/office/officeart/2005/8/layout/vProcess5"/>
+    <dgm:cxn modelId="{492EC406-36D7-4D4D-B111-EAAACAE06185}" type="presOf" srcId="{231240F5-FD10-4704-9CCE-BA4729FD261E}" destId="{770BBD16-F9CF-408F-ADF0-FD5AFE91B3B4}" srcOrd="0" destOrd="0" presId="urn:microsoft.com/office/officeart/2005/8/layout/vProcess5"/>
+    <dgm:cxn modelId="{1F9BA219-78FF-4B9D-8E59-6AA03EB6567C}" type="presOf" srcId="{3EC12048-0A8F-4E92-B04E-086D756482F2}" destId="{C67B81D9-7201-4EB9-A8DC-7FC0444D6D10}" srcOrd="1" destOrd="0" presId="urn:microsoft.com/office/officeart/2005/8/layout/vProcess5"/>
+    <dgm:cxn modelId="{12192729-FB91-4324-A09A-42325333D524}" srcId="{A72B9BCB-1ED9-4E32-8A7F-C8866EADB7B7}" destId="{4B91974D-26C7-40EC-BFF3-6B9F1E7F731F}" srcOrd="0" destOrd="0" parTransId="{F0ADF82C-7E97-4015-814A-95B9AF2CC44A}" sibTransId="{2C630D59-B572-417C-B948-735EA499250A}"/>
+    <dgm:cxn modelId="{0EF0045D-A43E-4868-BC58-9BF2EEA7A7B5}" type="presOf" srcId="{3EC12048-0A8F-4E92-B04E-086D756482F2}" destId="{6DCBDF5B-866F-4F1A-959E-3DD41E77ABDA}" srcOrd="0" destOrd="0" presId="urn:microsoft.com/office/officeart/2005/8/layout/vProcess5"/>
+    <dgm:cxn modelId="{3932545D-173D-4D0B-9C89-E3083BA4C4DF}" type="presOf" srcId="{4B91974D-26C7-40EC-BFF3-6B9F1E7F731F}" destId="{3C7A9473-4B75-4CCF-847A-54B4491FC243}" srcOrd="0" destOrd="0" presId="urn:microsoft.com/office/officeart/2005/8/layout/vProcess5"/>
     <dgm:cxn modelId="{2E8BC76C-5435-42DE-A0EC-DFB5043A948A}" srcId="{A72B9BCB-1ED9-4E32-8A7F-C8866EADB7B7}" destId="{3EC12048-0A8F-4E92-B04E-086D756482F2}" srcOrd="1" destOrd="0" parTransId="{7342DDDC-7A03-4414-883E-7252E0E5A049}" sibTransId="{231240F5-FD10-4704-9CCE-BA4729FD261E}"/>
     <dgm:cxn modelId="{DB5D496D-1A4E-4D6C-B770-B34B864ACCCC}" srcId="{A72B9BCB-1ED9-4E32-8A7F-C8866EADB7B7}" destId="{B28AB807-298B-46EC-A85B-6FD708F01B12}" srcOrd="3" destOrd="0" parTransId="{A941A523-1DF5-4005-AF8D-317DEB52A329}" sibTransId="{CC9A3783-33AE-4464-9B22-558C19F878E8}"/>
-    <dgm:cxn modelId="{A7887B4E-3BF4-454B-B59F-087BE9F6DC63}" type="presOf" srcId="{3EC12048-0A8F-4E92-B04E-086D756482F2}" destId="{182DA44E-83C4-4A68-8630-415FF4D3021F}" srcOrd="1" destOrd="0" presId="urn:microsoft.com/office/officeart/2005/8/layout/vProcess5"/>
     <dgm:cxn modelId="{CAB77770-B448-43F2-A0DB-B02276436DDF}" srcId="{A72B9BCB-1ED9-4E32-8A7F-C8866EADB7B7}" destId="{DA874F7F-A52B-4B11-8CC8-4407DDA488BF}" srcOrd="2" destOrd="0" parTransId="{206D1C1D-F805-4188-A130-6F5BAC99691C}" sibTransId="{EDBE9B3C-5890-44C1-8E3F-D3B5979732AB}"/>
-    <dgm:cxn modelId="{AC7FAF50-0070-49A8-B3B4-E66EA4767555}" srcId="{A72B9BCB-1ED9-4E32-8A7F-C8866EADB7B7}" destId="{CFE7BE7F-00E8-4A80-873F-F29F7F182A2C}" srcOrd="0" destOrd="0" parTransId="{6CAB770A-3991-4253-B893-5ACFB5A3FD5B}" sibTransId="{F7491990-5E3F-4448-AA8C-50566E222832}"/>
-    <dgm:cxn modelId="{F1EB807B-DAFD-46DE-A6E1-12C03C378AD0}" type="presOf" srcId="{3EC12048-0A8F-4E92-B04E-086D756482F2}" destId="{E57268AA-0F18-4AB7-8D95-BE579C020FB3}" srcOrd="0" destOrd="0" presId="urn:microsoft.com/office/officeart/2005/8/layout/vProcess5"/>
-    <dgm:cxn modelId="{6482CE87-AB96-4980-9F54-F6712592A051}" type="presOf" srcId="{DA874F7F-A52B-4B11-8CC8-4407DDA488BF}" destId="{A60F64A1-7005-449F-A585-C8AC7F2CE2FD}" srcOrd="1" destOrd="0" presId="urn:microsoft.com/office/officeart/2005/8/layout/vProcess5"/>
-    <dgm:cxn modelId="{27169BA6-2A94-47D9-8A33-BF26AE5B342E}" type="presOf" srcId="{231240F5-FD10-4704-9CCE-BA4729FD261E}" destId="{9D82CD9E-B78F-4EC4-B8DC-2AD65970DD6D}" srcOrd="0" destOrd="0" presId="urn:microsoft.com/office/officeart/2005/8/layout/vProcess5"/>
+    <dgm:cxn modelId="{B523CD54-3702-4FFC-92A8-255DD3ED4E2C}" type="presOf" srcId="{B28AB807-298B-46EC-A85B-6FD708F01B12}" destId="{E5C824FB-C61C-4C5B-9B07-30456B051073}" srcOrd="0" destOrd="0" presId="urn:microsoft.com/office/officeart/2005/8/layout/vProcess5"/>
+    <dgm:cxn modelId="{6177BC56-40B0-41F9-A893-F59F6C9B24B3}" type="presOf" srcId="{EDBE9B3C-5890-44C1-8E3F-D3B5979732AB}" destId="{E39E13F5-8859-4409-91C2-C785163AFF12}" srcOrd="0" destOrd="0" presId="urn:microsoft.com/office/officeart/2005/8/layout/vProcess5"/>
+    <dgm:cxn modelId="{3865D176-53BB-42AD-A8D3-D4F08D247D2C}" type="presOf" srcId="{DA874F7F-A52B-4B11-8CC8-4407DDA488BF}" destId="{CFB81A17-E658-4226-BE15-A2F4E6326185}" srcOrd="0" destOrd="0" presId="urn:microsoft.com/office/officeart/2005/8/layout/vProcess5"/>
+    <dgm:cxn modelId="{9B09E359-5C5D-4711-B00F-8CDFA709B95B}" type="presOf" srcId="{2C630D59-B572-417C-B948-735EA499250A}" destId="{5B4427EE-FA1F-43B6-AF3A-1E45EC1E9DF0}" srcOrd="0" destOrd="0" presId="urn:microsoft.com/office/officeart/2005/8/layout/vProcess5"/>
+    <dgm:cxn modelId="{EE729B85-6A3D-4CC3-9867-B5154E8B4876}" type="presOf" srcId="{4B91974D-26C7-40EC-BFF3-6B9F1E7F731F}" destId="{5F3059C0-8E52-40A5-85A7-38D5E7D5D4E6}" srcOrd="1" destOrd="0" presId="urn:microsoft.com/office/officeart/2005/8/layout/vProcess5"/>
     <dgm:cxn modelId="{504763AA-8735-4332-8B2E-D97E32B9561F}" type="presOf" srcId="{A72B9BCB-1ED9-4E32-8A7F-C8866EADB7B7}" destId="{D6F7C2BB-46D8-4C31-9C0E-AC2246AFED37}" srcOrd="0" destOrd="0" presId="urn:microsoft.com/office/officeart/2005/8/layout/vProcess5"/>
-    <dgm:cxn modelId="{BF129CE0-5F8A-4CA6-BDFD-09DBDF9939A6}" type="presOf" srcId="{DA874F7F-A52B-4B11-8CC8-4407DDA488BF}" destId="{3830C628-68D4-4D4A-B0D6-D6A9251061A8}" srcOrd="0" destOrd="0" presId="urn:microsoft.com/office/officeart/2005/8/layout/vProcess5"/>
-    <dgm:cxn modelId="{F91CAFE2-100E-42BC-964D-FFD9AF7F0580}" type="presOf" srcId="{EDBE9B3C-5890-44C1-8E3F-D3B5979732AB}" destId="{BA32D2A3-9D5D-40FF-9444-C13C1BD91DE8}" srcOrd="0" destOrd="0" presId="urn:microsoft.com/office/officeart/2005/8/layout/vProcess5"/>
-    <dgm:cxn modelId="{C63205EE-A283-46FE-9209-1A23AD28AA21}" type="presOf" srcId="{F7491990-5E3F-4448-AA8C-50566E222832}" destId="{247168C3-3A6B-44FE-80A7-EF07CE63292D}" srcOrd="0" destOrd="0" presId="urn:microsoft.com/office/officeart/2005/8/layout/vProcess5"/>
+    <dgm:cxn modelId="{6716ADE6-B4CF-4742-9B30-BA02E4A5FC65}" type="presOf" srcId="{DA874F7F-A52B-4B11-8CC8-4407DDA488BF}" destId="{C70BA25A-C8B3-4B13-9EA6-1C6D980146C2}" srcOrd="1" destOrd="0" presId="urn:microsoft.com/office/officeart/2005/8/layout/vProcess5"/>
+    <dgm:cxn modelId="{85D582FC-B141-4B31-A179-B88CAEC49C5A}" type="presOf" srcId="{B28AB807-298B-46EC-A85B-6FD708F01B12}" destId="{2C46BFB0-A6A1-4A13-A41E-E1F52876463E}" srcOrd="1" destOrd="0" presId="urn:microsoft.com/office/officeart/2005/8/layout/vProcess5"/>
     <dgm:cxn modelId="{03E93438-DDF6-4E28-B71C-3D01AEDFA37B}" type="presParOf" srcId="{D6F7C2BB-46D8-4C31-9C0E-AC2246AFED37}" destId="{DB6658FD-C17D-405B-BB40-74E99382A684}" srcOrd="0" destOrd="0" presId="urn:microsoft.com/office/officeart/2005/8/layout/vProcess5"/>
-    <dgm:cxn modelId="{B4E39120-27D8-448E-9F6E-5DC564A5F638}" type="presParOf" srcId="{D6F7C2BB-46D8-4C31-9C0E-AC2246AFED37}" destId="{0A4F31FA-7999-41E2-9CC8-1FED74620F96}" srcOrd="1" destOrd="0" presId="urn:microsoft.com/office/officeart/2005/8/layout/vProcess5"/>
-    <dgm:cxn modelId="{3387B21A-E15F-4C09-A255-05CFE4008F66}" type="presParOf" srcId="{D6F7C2BB-46D8-4C31-9C0E-AC2246AFED37}" destId="{E57268AA-0F18-4AB7-8D95-BE579C020FB3}" srcOrd="2" destOrd="0" presId="urn:microsoft.com/office/officeart/2005/8/layout/vProcess5"/>
-    <dgm:cxn modelId="{88C21C71-8147-43A4-91B0-AA444F6AB0B4}" type="presParOf" srcId="{D6F7C2BB-46D8-4C31-9C0E-AC2246AFED37}" destId="{3830C628-68D4-4D4A-B0D6-D6A9251061A8}" srcOrd="3" destOrd="0" presId="urn:microsoft.com/office/officeart/2005/8/layout/vProcess5"/>
-    <dgm:cxn modelId="{2D32F4AF-3A10-4CF9-B4E8-ABDF104FF2DD}" type="presParOf" srcId="{D6F7C2BB-46D8-4C31-9C0E-AC2246AFED37}" destId="{1662BE9B-D16C-4899-B6B7-1D5089487AF1}" srcOrd="4" destOrd="0" presId="urn:microsoft.com/office/officeart/2005/8/layout/vProcess5"/>
-    <dgm:cxn modelId="{E76D9738-6D06-472A-97F1-005511C748D7}" type="presParOf" srcId="{D6F7C2BB-46D8-4C31-9C0E-AC2246AFED37}" destId="{247168C3-3A6B-44FE-80A7-EF07CE63292D}" srcOrd="5" destOrd="0" presId="urn:microsoft.com/office/officeart/2005/8/layout/vProcess5"/>
-    <dgm:cxn modelId="{7EDBFF9D-D066-4A45-B077-18D436533C05}" type="presParOf" srcId="{D6F7C2BB-46D8-4C31-9C0E-AC2246AFED37}" destId="{9D82CD9E-B78F-4EC4-B8DC-2AD65970DD6D}" srcOrd="6" destOrd="0" presId="urn:microsoft.com/office/officeart/2005/8/layout/vProcess5"/>
-    <dgm:cxn modelId="{591F7040-F85C-4A99-8A6B-9F652844D63B}" type="presParOf" srcId="{D6F7C2BB-46D8-4C31-9C0E-AC2246AFED37}" destId="{BA32D2A3-9D5D-40FF-9444-C13C1BD91DE8}" srcOrd="7" destOrd="0" presId="urn:microsoft.com/office/officeart/2005/8/layout/vProcess5"/>
-    <dgm:cxn modelId="{8E9B94A2-9AB2-499D-8418-F284B474A2E8}" type="presParOf" srcId="{D6F7C2BB-46D8-4C31-9C0E-AC2246AFED37}" destId="{E9C918E9-3B1F-4457-A8BD-77922245B9B1}" srcOrd="8" destOrd="0" presId="urn:microsoft.com/office/officeart/2005/8/layout/vProcess5"/>
-    <dgm:cxn modelId="{DA434E73-F6F3-45EB-8E15-7BF7D113E739}" type="presParOf" srcId="{D6F7C2BB-46D8-4C31-9C0E-AC2246AFED37}" destId="{182DA44E-83C4-4A68-8630-415FF4D3021F}" srcOrd="9" destOrd="0" presId="urn:microsoft.com/office/officeart/2005/8/layout/vProcess5"/>
-    <dgm:cxn modelId="{3F1C1652-F183-457A-9986-926DC6EA2B33}" type="presParOf" srcId="{D6F7C2BB-46D8-4C31-9C0E-AC2246AFED37}" destId="{A60F64A1-7005-449F-A585-C8AC7F2CE2FD}" srcOrd="10" destOrd="0" presId="urn:microsoft.com/office/officeart/2005/8/layout/vProcess5"/>
-    <dgm:cxn modelId="{E55462DF-62E0-4212-BD44-CB7828F63A9E}" type="presParOf" srcId="{D6F7C2BB-46D8-4C31-9C0E-AC2246AFED37}" destId="{B51624C1-8CDD-4D7A-A419-4E901107DC24}" srcOrd="11" destOrd="0" presId="urn:microsoft.com/office/officeart/2005/8/layout/vProcess5"/>
+    <dgm:cxn modelId="{DAD2352A-3F67-464D-9F28-933F81C18415}" type="presParOf" srcId="{D6F7C2BB-46D8-4C31-9C0E-AC2246AFED37}" destId="{3C7A9473-4B75-4CCF-847A-54B4491FC243}" srcOrd="1" destOrd="0" presId="urn:microsoft.com/office/officeart/2005/8/layout/vProcess5"/>
+    <dgm:cxn modelId="{AD0E7C7B-40A5-4D4B-A186-CC10749341CD}" type="presParOf" srcId="{D6F7C2BB-46D8-4C31-9C0E-AC2246AFED37}" destId="{6DCBDF5B-866F-4F1A-959E-3DD41E77ABDA}" srcOrd="2" destOrd="0" presId="urn:microsoft.com/office/officeart/2005/8/layout/vProcess5"/>
+    <dgm:cxn modelId="{CE46C314-3D85-4F01-8D70-969D57CCB2D5}" type="presParOf" srcId="{D6F7C2BB-46D8-4C31-9C0E-AC2246AFED37}" destId="{CFB81A17-E658-4226-BE15-A2F4E6326185}" srcOrd="3" destOrd="0" presId="urn:microsoft.com/office/officeart/2005/8/layout/vProcess5"/>
+    <dgm:cxn modelId="{EDE6166F-1718-4C38-8651-D97FAEEC7E5F}" type="presParOf" srcId="{D6F7C2BB-46D8-4C31-9C0E-AC2246AFED37}" destId="{E5C824FB-C61C-4C5B-9B07-30456B051073}" srcOrd="4" destOrd="0" presId="urn:microsoft.com/office/officeart/2005/8/layout/vProcess5"/>
+    <dgm:cxn modelId="{B659FB51-F843-4B1B-B7DF-D765620995A3}" type="presParOf" srcId="{D6F7C2BB-46D8-4C31-9C0E-AC2246AFED37}" destId="{5B4427EE-FA1F-43B6-AF3A-1E45EC1E9DF0}" srcOrd="5" destOrd="0" presId="urn:microsoft.com/office/officeart/2005/8/layout/vProcess5"/>
+    <dgm:cxn modelId="{B80826BA-9C1F-44B0-AB23-6FEBAD86EAC3}" type="presParOf" srcId="{D6F7C2BB-46D8-4C31-9C0E-AC2246AFED37}" destId="{770BBD16-F9CF-408F-ADF0-FD5AFE91B3B4}" srcOrd="6" destOrd="0" presId="urn:microsoft.com/office/officeart/2005/8/layout/vProcess5"/>
+    <dgm:cxn modelId="{8494AFA1-7239-45D9-8058-665127951EEA}" type="presParOf" srcId="{D6F7C2BB-46D8-4C31-9C0E-AC2246AFED37}" destId="{E39E13F5-8859-4409-91C2-C785163AFF12}" srcOrd="7" destOrd="0" presId="urn:microsoft.com/office/officeart/2005/8/layout/vProcess5"/>
+    <dgm:cxn modelId="{4076E786-CB56-460F-915D-5D4BA010B286}" type="presParOf" srcId="{D6F7C2BB-46D8-4C31-9C0E-AC2246AFED37}" destId="{5F3059C0-8E52-40A5-85A7-38D5E7D5D4E6}" srcOrd="8" destOrd="0" presId="urn:microsoft.com/office/officeart/2005/8/layout/vProcess5"/>
+    <dgm:cxn modelId="{789BF7FA-CF90-498C-8876-62686B9265F1}" type="presParOf" srcId="{D6F7C2BB-46D8-4C31-9C0E-AC2246AFED37}" destId="{C67B81D9-7201-4EB9-A8DC-7FC0444D6D10}" srcOrd="9" destOrd="0" presId="urn:microsoft.com/office/officeart/2005/8/layout/vProcess5"/>
+    <dgm:cxn modelId="{B7AA4290-6426-433A-A80D-18EE6AB3C387}" type="presParOf" srcId="{D6F7C2BB-46D8-4C31-9C0E-AC2246AFED37}" destId="{C70BA25A-C8B3-4B13-9EA6-1C6D980146C2}" srcOrd="10" destOrd="0" presId="urn:microsoft.com/office/officeart/2005/8/layout/vProcess5"/>
+    <dgm:cxn modelId="{F9522BD1-42C7-40EE-B894-1AD71502BA5D}" type="presParOf" srcId="{D6F7C2BB-46D8-4C31-9C0E-AC2246AFED37}" destId="{2C46BFB0-A6A1-4A13-A41E-E1F52876463E}" srcOrd="11" destOrd="0" presId="urn:microsoft.com/office/officeart/2005/8/layout/vProcess5"/>
   </dgm:cxnLst>
   <dgm:bg/>
   <dgm:whole/>
@@ -3735,7 +3726,7 @@
       <dsp:cNvGrpSpPr/>
     </dsp:nvGrpSpPr>
     <dsp:grpSpPr/>
-    <dsp:sp modelId="{0A4F31FA-7999-41E2-9CC8-1FED74620F96}">
+    <dsp:sp modelId="{3C7A9473-4B75-4CCF-847A-54B4491FC243}">
       <dsp:nvSpPr>
         <dsp:cNvPr id="0" name=""/>
         <dsp:cNvSpPr/>
@@ -3786,12 +3777,12 @@
         </a:fontRef>
       </dsp:style>
       <dsp:txBody>
-        <a:bodyPr spcFirstLastPara="0" vert="horz" wrap="square" lIns="87630" tIns="87630" rIns="87630" bIns="87630" numCol="1" spcCol="1270" anchor="ctr" anchorCtr="0">
+        <a:bodyPr spcFirstLastPara="0" vert="horz" wrap="square" lIns="83820" tIns="83820" rIns="83820" bIns="83820" numCol="1" spcCol="1270" anchor="ctr" anchorCtr="0">
           <a:noAutofit/>
         </a:bodyPr>
         <a:lstStyle/>
         <a:p>
-          <a:pPr marL="0" lvl="0" indent="0" algn="l" defTabSz="1022350">
+          <a:pPr marL="0" lvl="0" indent="0" algn="l" defTabSz="977900">
             <a:lnSpc>
               <a:spcPct val="90000"/>
             </a:lnSpc>
@@ -3804,18 +3795,9 @@
             <a:buNone/>
           </a:pPr>
           <a:r>
-            <a:rPr lang="es-ES" sz="2300" kern="1200" dirty="0"/>
-            <a:t>NetBeans (sin </a:t>
+            <a:rPr lang="es-ES" sz="2200" kern="1200"/>
+            <a:t>Base de datos PostgreSQL. Se conecta a través de JDBC. </a:t>
           </a:r>
-          <a:r>
-            <a:rPr lang="es-ES" sz="2300" kern="1200" dirty="0" err="1"/>
-            <a:t>framework</a:t>
-          </a:r>
-          <a:r>
-            <a:rPr lang="es-ES" sz="2300" kern="1200" dirty="0"/>
-            <a:t>) utilizando Java, JSP, Bootstrap y CSS.</a:t>
-          </a:r>
-          <a:endParaRPr lang="en-US" sz="2300" kern="1200" dirty="0"/>
         </a:p>
       </dsp:txBody>
       <dsp:txXfrm>
@@ -3823,7 +3805,7 @@
         <a:ext cx="7681622" cy="745447"/>
       </dsp:txXfrm>
     </dsp:sp>
-    <dsp:sp modelId="{E57268AA-0F18-4AB7-8D95-BE579C020FB3}">
+    <dsp:sp modelId="{6DCBDF5B-866F-4F1A-959E-3DD41E77ABDA}">
       <dsp:nvSpPr>
         <dsp:cNvPr id="0" name=""/>
         <dsp:cNvSpPr/>
@@ -3874,12 +3856,12 @@
         </a:fontRef>
       </dsp:style>
       <dsp:txBody>
-        <a:bodyPr spcFirstLastPara="0" vert="horz" wrap="square" lIns="87630" tIns="87630" rIns="87630" bIns="87630" numCol="1" spcCol="1270" anchor="ctr" anchorCtr="0">
+        <a:bodyPr spcFirstLastPara="0" vert="horz" wrap="square" lIns="83820" tIns="83820" rIns="83820" bIns="83820" numCol="1" spcCol="1270" anchor="ctr" anchorCtr="0">
           <a:noAutofit/>
         </a:bodyPr>
         <a:lstStyle/>
         <a:p>
-          <a:pPr marL="0" lvl="0" indent="0" algn="l" defTabSz="1022350">
+          <a:pPr marL="0" lvl="0" indent="0" algn="l" defTabSz="977900">
             <a:lnSpc>
               <a:spcPct val="90000"/>
             </a:lnSpc>
@@ -3892,10 +3874,10 @@
             <a:buNone/>
           </a:pPr>
           <a:r>
-            <a:rPr lang="es-ES" sz="2300" kern="1200" dirty="0"/>
-            <a:t>Base de datos PostgreSQL. Se conecta a través de JDBC.</a:t>
+            <a:rPr lang="es-ES" sz="2200" kern="1200" dirty="0"/>
+            <a:t>NetBeans (sin framework) utilizando Java, JSP, Bootstrap y CSS.</a:t>
           </a:r>
-          <a:endParaRPr lang="en-US" sz="2300" kern="1200" dirty="0"/>
+          <a:endParaRPr lang="en-US" sz="2200" kern="1200" dirty="0"/>
         </a:p>
       </dsp:txBody>
       <dsp:txXfrm>
@@ -3903,7 +3885,7 @@
         <a:ext cx="7321405" cy="745447"/>
       </dsp:txXfrm>
     </dsp:sp>
-    <dsp:sp modelId="{3830C628-68D4-4D4A-B0D6-D6A9251061A8}">
+    <dsp:sp modelId="{CFB81A17-E658-4226-BE15-A2F4E6326185}">
       <dsp:nvSpPr>
         <dsp:cNvPr id="0" name=""/>
         <dsp:cNvSpPr/>
@@ -3954,12 +3936,12 @@
         </a:fontRef>
       </dsp:style>
       <dsp:txBody>
-        <a:bodyPr spcFirstLastPara="0" vert="horz" wrap="square" lIns="87630" tIns="87630" rIns="87630" bIns="87630" numCol="1" spcCol="1270" anchor="ctr" anchorCtr="0">
+        <a:bodyPr spcFirstLastPara="0" vert="horz" wrap="square" lIns="83820" tIns="83820" rIns="83820" bIns="83820" numCol="1" spcCol="1270" anchor="ctr" anchorCtr="0">
           <a:noAutofit/>
         </a:bodyPr>
         <a:lstStyle/>
         <a:p>
-          <a:pPr marL="0" lvl="0" indent="0" algn="l" defTabSz="1022350">
+          <a:pPr marL="0" lvl="0" indent="0" algn="l" defTabSz="977900">
             <a:lnSpc>
               <a:spcPct val="90000"/>
             </a:lnSpc>
@@ -3972,10 +3954,10 @@
             <a:buNone/>
           </a:pPr>
           <a:r>
-            <a:rPr lang="es-ES" sz="2300" kern="1200" dirty="0"/>
+            <a:rPr lang="es-ES" sz="2200" kern="1200" dirty="0"/>
             <a:t>Servidor Apache Tomcat.</a:t>
           </a:r>
-          <a:endParaRPr lang="en-US" sz="2300" kern="1200" dirty="0"/>
+          <a:endParaRPr lang="en-US" sz="2200" kern="1200" dirty="0"/>
         </a:p>
       </dsp:txBody>
       <dsp:txXfrm>
@@ -3983,7 +3965,7 @@
         <a:ext cx="7332159" cy="745447"/>
       </dsp:txXfrm>
     </dsp:sp>
-    <dsp:sp modelId="{1662BE9B-D16C-4899-B6B7-1D5089487AF1}">
+    <dsp:sp modelId="{E5C824FB-C61C-4C5B-9B07-30456B051073}">
       <dsp:nvSpPr>
         <dsp:cNvPr id="0" name=""/>
         <dsp:cNvSpPr/>
@@ -4034,12 +4016,12 @@
         </a:fontRef>
       </dsp:style>
       <dsp:txBody>
-        <a:bodyPr spcFirstLastPara="0" vert="horz" wrap="square" lIns="87630" tIns="87630" rIns="87630" bIns="87630" numCol="1" spcCol="1270" anchor="ctr" anchorCtr="0">
+        <a:bodyPr spcFirstLastPara="0" vert="horz" wrap="square" lIns="83820" tIns="83820" rIns="83820" bIns="83820" numCol="1" spcCol="1270" anchor="ctr" anchorCtr="0">
           <a:noAutofit/>
         </a:bodyPr>
         <a:lstStyle/>
         <a:p>
-          <a:pPr marL="0" lvl="0" indent="0" algn="l" defTabSz="1022350">
+          <a:pPr marL="0" lvl="0" indent="0" algn="l" defTabSz="977900">
             <a:lnSpc>
               <a:spcPct val="90000"/>
             </a:lnSpc>
@@ -4052,10 +4034,10 @@
             <a:buNone/>
           </a:pPr>
           <a:r>
-            <a:rPr lang="es-ES" sz="2300" kern="1200"/>
+            <a:rPr lang="es-ES" sz="2200" kern="1200"/>
             <a:t>Patrón MVC y DAO.</a:t>
           </a:r>
-          <a:endParaRPr lang="en-US" sz="2300" kern="1200"/>
+          <a:endParaRPr lang="en-US" sz="2200" kern="1200"/>
         </a:p>
       </dsp:txBody>
       <dsp:txXfrm>
@@ -4063,7 +4045,7 @@
         <a:ext cx="7321405" cy="745447"/>
       </dsp:txXfrm>
     </dsp:sp>
-    <dsp:sp modelId="{247168C3-3A6B-44FE-80A7-EF07CE63292D}">
+    <dsp:sp modelId="{5B4427EE-FA1F-43B6-AF3A-1E45EC1E9DF0}">
       <dsp:nvSpPr>
         <dsp:cNvPr id="0" name=""/>
         <dsp:cNvSpPr/>
@@ -4134,7 +4116,7 @@
             </a:spcAft>
             <a:buNone/>
           </a:pPr>
-          <a:endParaRPr lang="en-US" sz="2300" kern="1200"/>
+          <a:endParaRPr lang="es-ES" sz="2300" kern="1200"/>
         </a:p>
       </dsp:txBody>
       <dsp:txXfrm>
@@ -4142,7 +4124,7 @@
         <a:ext cx="283080" cy="387304"/>
       </dsp:txXfrm>
     </dsp:sp>
-    <dsp:sp modelId="{9D82CD9E-B78F-4EC4-B8DC-2AD65970DD6D}">
+    <dsp:sp modelId="{770BBD16-F9CF-408F-ADF0-FD5AFE91B3B4}">
       <dsp:nvSpPr>
         <dsp:cNvPr id="0" name=""/>
         <dsp:cNvSpPr/>
@@ -4221,7 +4203,7 @@
         <a:ext cx="283080" cy="387304"/>
       </dsp:txXfrm>
     </dsp:sp>
-    <dsp:sp modelId="{BA32D2A3-9D5D-40FF-9444-C13C1BD91DE8}">
+    <dsp:sp modelId="{E39E13F5-8859-4409-91C2-C785163AFF12}">
       <dsp:nvSpPr>
         <dsp:cNvPr id="0" name=""/>
         <dsp:cNvSpPr/>
@@ -9166,7 +9148,7 @@
           <a:p>
             <a:fld id="{9C4F7D1C-BB11-423F-AE29-4DECCE524830}" type="datetimeFigureOut">
               <a:rPr lang="es-ES" smtClean="0"/>
-              <a:t>10/07/2021</a:t>
+              <a:t>13/07/2021</a:t>
             </a:fld>
             <a:endParaRPr lang="es-ES"/>
           </a:p>
@@ -9356,7 +9338,7 @@
           <a:p>
             <a:fld id="{9C4F7D1C-BB11-423F-AE29-4DECCE524830}" type="datetimeFigureOut">
               <a:rPr lang="es-ES" smtClean="0"/>
-              <a:t>10/07/2021</a:t>
+              <a:t>13/07/2021</a:t>
             </a:fld>
             <a:endParaRPr lang="es-ES"/>
           </a:p>
@@ -9536,7 +9518,7 @@
           <a:p>
             <a:fld id="{9C4F7D1C-BB11-423F-AE29-4DECCE524830}" type="datetimeFigureOut">
               <a:rPr lang="es-ES" smtClean="0"/>
-              <a:t>10/07/2021</a:t>
+              <a:t>13/07/2021</a:t>
             </a:fld>
             <a:endParaRPr lang="es-ES"/>
           </a:p>
@@ -9706,7 +9688,7 @@
           <a:p>
             <a:fld id="{9C4F7D1C-BB11-423F-AE29-4DECCE524830}" type="datetimeFigureOut">
               <a:rPr lang="es-ES" smtClean="0"/>
-              <a:t>10/07/2021</a:t>
+              <a:t>13/07/2021</a:t>
             </a:fld>
             <a:endParaRPr lang="es-ES"/>
           </a:p>
@@ -9962,7 +9944,7 @@
           <a:p>
             <a:fld id="{9C4F7D1C-BB11-423F-AE29-4DECCE524830}" type="datetimeFigureOut">
               <a:rPr lang="es-ES" smtClean="0"/>
-              <a:t>10/07/2021</a:t>
+              <a:t>13/07/2021</a:t>
             </a:fld>
             <a:endParaRPr lang="es-ES"/>
           </a:p>
@@ -10250,7 +10232,7 @@
           <a:p>
             <a:fld id="{9C4F7D1C-BB11-423F-AE29-4DECCE524830}" type="datetimeFigureOut">
               <a:rPr lang="es-ES" smtClean="0"/>
-              <a:t>10/07/2021</a:t>
+              <a:t>13/07/2021</a:t>
             </a:fld>
             <a:endParaRPr lang="es-ES"/>
           </a:p>
@@ -10688,7 +10670,7 @@
           <a:p>
             <a:fld id="{9C4F7D1C-BB11-423F-AE29-4DECCE524830}" type="datetimeFigureOut">
               <a:rPr lang="es-ES" smtClean="0"/>
-              <a:t>10/07/2021</a:t>
+              <a:t>13/07/2021</a:t>
             </a:fld>
             <a:endParaRPr lang="es-ES"/>
           </a:p>
@@ -10806,7 +10788,7 @@
           <a:p>
             <a:fld id="{9C4F7D1C-BB11-423F-AE29-4DECCE524830}" type="datetimeFigureOut">
               <a:rPr lang="es-ES" smtClean="0"/>
-              <a:t>10/07/2021</a:t>
+              <a:t>13/07/2021</a:t>
             </a:fld>
             <a:endParaRPr lang="es-ES"/>
           </a:p>
@@ -10901,7 +10883,7 @@
           <a:p>
             <a:fld id="{9C4F7D1C-BB11-423F-AE29-4DECCE524830}" type="datetimeFigureOut">
               <a:rPr lang="es-ES" smtClean="0"/>
-              <a:t>10/07/2021</a:t>
+              <a:t>13/07/2021</a:t>
             </a:fld>
             <a:endParaRPr lang="es-ES"/>
           </a:p>
@@ -11257,7 +11239,7 @@
           <a:p>
             <a:fld id="{9C4F7D1C-BB11-423F-AE29-4DECCE524830}" type="datetimeFigureOut">
               <a:rPr lang="es-ES" smtClean="0"/>
-              <a:t>10/07/2021</a:t>
+              <a:t>13/07/2021</a:t>
             </a:fld>
             <a:endParaRPr lang="es-ES"/>
           </a:p>
@@ -11573,7 +11555,7 @@
           <a:p>
             <a:fld id="{9C4F7D1C-BB11-423F-AE29-4DECCE524830}" type="datetimeFigureOut">
               <a:rPr lang="es-ES" smtClean="0"/>
-              <a:t>10/07/2021</a:t>
+              <a:t>13/07/2021</a:t>
             </a:fld>
             <a:endParaRPr lang="es-ES"/>
           </a:p>
@@ -11806,7 +11788,7 @@
           <a:p>
             <a:fld id="{9C4F7D1C-BB11-423F-AE29-4DECCE524830}" type="datetimeFigureOut">
               <a:rPr lang="es-ES" smtClean="0"/>
-              <a:t>10/07/2021</a:t>
+              <a:t>13/07/2021</a:t>
             </a:fld>
             <a:endParaRPr lang="es-ES"/>
           </a:p>
@@ -12709,7 +12691,7 @@
             <p:ph idx="1"/>
             <p:extLst>
               <p:ext uri="{D42A27DB-BD31-4B8C-83A1-F6EECF244321}">
-                <p14:modId xmlns:p14="http://schemas.microsoft.com/office/powerpoint/2010/main" val="3803261858"/>
+                <p14:modId xmlns:p14="http://schemas.microsoft.com/office/powerpoint/2010/main" val="850071155"/>
               </p:ext>
             </p:extLst>
           </p:nvPr>
